--- a/28_Mini Project/Proposal Mini Project - WisataLocal.pptx
+++ b/28_Mini Project/Proposal Mini Project - WisataLocal.pptx
@@ -109,6 +109,11 @@
       </a:defRPr>
     </a:lvl9pPr>
   </p:defaultTextStyle>
+  <p:extLst>
+    <p:ext uri="{EFAFB233-063F-42B5-8137-9DF3F51BA10A}">
+      <p15:sldGuideLst xmlns:p15="http://schemas.microsoft.com/office/powerpoint/2012/main"/>
+    </p:ext>
+  </p:extLst>
 </p:presentation>
 </file>
 
@@ -338,7 +343,7 @@
           <a:p>
             <a:fld id="{5C8A4922-78F6-4DD7-87C7-4C183628A3D2}" type="datetimeFigureOut">
               <a:rPr lang="en-ID" smtClean="0"/>
-              <a:t>17/05/2022</a:t>
+              <a:t>18/05/2022</a:t>
             </a:fld>
             <a:endParaRPr lang="en-ID"/>
           </a:p>
@@ -546,7 +551,7 @@
           <a:p>
             <a:fld id="{5C8A4922-78F6-4DD7-87C7-4C183628A3D2}" type="datetimeFigureOut">
               <a:rPr lang="en-ID" smtClean="0"/>
-              <a:t>17/05/2022</a:t>
+              <a:t>18/05/2022</a:t>
             </a:fld>
             <a:endParaRPr lang="en-ID"/>
           </a:p>
@@ -802,7 +807,7 @@
           <a:p>
             <a:fld id="{5C8A4922-78F6-4DD7-87C7-4C183628A3D2}" type="datetimeFigureOut">
               <a:rPr lang="en-ID" smtClean="0"/>
-              <a:t>17/05/2022</a:t>
+              <a:t>18/05/2022</a:t>
             </a:fld>
             <a:endParaRPr lang="en-ID"/>
           </a:p>
@@ -976,7 +981,7 @@
           <a:p>
             <a:fld id="{5C8A4922-78F6-4DD7-87C7-4C183628A3D2}" type="datetimeFigureOut">
               <a:rPr lang="en-ID" smtClean="0"/>
-              <a:t>17/05/2022</a:t>
+              <a:t>18/05/2022</a:t>
             </a:fld>
             <a:endParaRPr lang="en-ID"/>
           </a:p>
@@ -1319,7 +1324,7 @@
           <a:p>
             <a:fld id="{5C8A4922-78F6-4DD7-87C7-4C183628A3D2}" type="datetimeFigureOut">
               <a:rPr lang="en-ID" smtClean="0"/>
-              <a:t>17/05/2022</a:t>
+              <a:t>18/05/2022</a:t>
             </a:fld>
             <a:endParaRPr lang="en-ID"/>
           </a:p>
@@ -1594,7 +1599,7 @@
           <a:p>
             <a:fld id="{5C8A4922-78F6-4DD7-87C7-4C183628A3D2}" type="datetimeFigureOut">
               <a:rPr lang="en-ID" smtClean="0"/>
-              <a:t>17/05/2022</a:t>
+              <a:t>18/05/2022</a:t>
             </a:fld>
             <a:endParaRPr lang="en-ID"/>
           </a:p>
@@ -1973,7 +1978,7 @@
           <a:p>
             <a:fld id="{5C8A4922-78F6-4DD7-87C7-4C183628A3D2}" type="datetimeFigureOut">
               <a:rPr lang="en-ID" smtClean="0"/>
-              <a:t>17/05/2022</a:t>
+              <a:t>18/05/2022</a:t>
             </a:fld>
             <a:endParaRPr lang="en-ID"/>
           </a:p>
@@ -2091,7 +2096,7 @@
           <a:p>
             <a:fld id="{5C8A4922-78F6-4DD7-87C7-4C183628A3D2}" type="datetimeFigureOut">
               <a:rPr lang="en-ID" smtClean="0"/>
-              <a:t>17/05/2022</a:t>
+              <a:t>18/05/2022</a:t>
             </a:fld>
             <a:endParaRPr lang="en-ID"/>
           </a:p>
@@ -2262,7 +2267,7 @@
           <a:p>
             <a:fld id="{5C8A4922-78F6-4DD7-87C7-4C183628A3D2}" type="datetimeFigureOut">
               <a:rPr lang="en-ID" smtClean="0"/>
-              <a:t>17/05/2022</a:t>
+              <a:t>18/05/2022</a:t>
             </a:fld>
             <a:endParaRPr lang="en-ID"/>
           </a:p>
@@ -2616,7 +2621,7 @@
           <a:p>
             <a:fld id="{5C8A4922-78F6-4DD7-87C7-4C183628A3D2}" type="datetimeFigureOut">
               <a:rPr lang="en-ID" smtClean="0"/>
-              <a:t>17/05/2022</a:t>
+              <a:t>18/05/2022</a:t>
             </a:fld>
             <a:endParaRPr lang="en-ID"/>
           </a:p>
@@ -2998,7 +3003,7 @@
           <a:p>
             <a:fld id="{5C8A4922-78F6-4DD7-87C7-4C183628A3D2}" type="datetimeFigureOut">
               <a:rPr lang="en-ID" smtClean="0"/>
-              <a:t>17/05/2022</a:t>
+              <a:t>18/05/2022</a:t>
             </a:fld>
             <a:endParaRPr lang="en-ID"/>
           </a:p>
@@ -3285,7 +3290,7 @@
           <a:p>
             <a:fld id="{5C8A4922-78F6-4DD7-87C7-4C183628A3D2}" type="datetimeFigureOut">
               <a:rPr lang="en-ID" smtClean="0"/>
-              <a:t>17/05/2022</a:t>
+              <a:t>18/05/2022</a:t>
             </a:fld>
             <a:endParaRPr lang="en-ID"/>
           </a:p>
@@ -3845,7 +3850,7 @@
                   </a:schemeClr>
                 </a:solidFill>
               </a:rPr>
-              <a:t>Final Project Flutter</a:t>
+              <a:t>Mini Project Flutter</a:t>
             </a:r>
             <a:br>
               <a:rPr lang="en-US" b="1" dirty="0">
@@ -3920,7 +3925,7 @@
         </p:nvSpPr>
         <p:spPr>
           <a:xfrm>
-            <a:off x="-337522" y="3549247"/>
+            <a:off x="926107" y="3449514"/>
             <a:ext cx="6178378" cy="523220"/>
           </a:xfrm>
           <a:prstGeom prst="rect">
@@ -3936,8 +3941,12 @@
           <a:p>
             <a:pPr algn="ctr"/>
             <a:r>
+              <a:rPr lang="en-US" sz="2800" dirty="0" err="1"/>
+              <a:t>WisataLocal</a:t>
+            </a:r>
+            <a:r>
               <a:rPr lang="en-US" sz="2800" dirty="0"/>
-              <a:t>Alterra Academy </a:t>
+              <a:t> App</a:t>
             </a:r>
             <a:endParaRPr lang="en-ID" sz="2800" dirty="0"/>
           </a:p>
@@ -3979,6 +3988,48 @@
           </a:prstGeom>
         </p:spPr>
       </p:pic>
+      <p:pic>
+        <p:nvPicPr>
+          <p:cNvPr id="7" name="Picture 6">
+            <a:extLst>
+              <a:ext uri="{FF2B5EF4-FFF2-40B4-BE49-F238E27FC236}">
+                <a16:creationId xmlns:a16="http://schemas.microsoft.com/office/drawing/2014/main" id="{83037717-EB9F-C2DF-3ED9-DA7C023CCFDE}"/>
+              </a:ext>
+            </a:extLst>
+          </p:cNvPr>
+          <p:cNvPicPr>
+            <a:picLocks noChangeAspect="1"/>
+          </p:cNvPicPr>
+          <p:nvPr/>
+        </p:nvPicPr>
+        <p:blipFill>
+          <a:blip r:embed="rId3">
+            <a:extLst>
+              <a:ext uri="{BEBA8EAE-BF5A-486C-A8C5-ECC9F3942E4B}">
+                <a14:imgProps xmlns:a14="http://schemas.microsoft.com/office/drawing/2010/main">
+                  <a14:imgLayer r:embed="rId4">
+                    <a14:imgEffect>
+                      <a14:backgroundRemoval t="10000" b="90000" l="10000" r="90000"/>
+                    </a14:imgEffect>
+                  </a14:imgLayer>
+                </a14:imgProps>
+              </a:ext>
+            </a:extLst>
+          </a:blip>
+          <a:stretch>
+            <a:fillRect/>
+          </a:stretch>
+        </p:blipFill>
+        <p:spPr>
+          <a:xfrm>
+            <a:off x="843728" y="2798717"/>
+            <a:ext cx="2080704" cy="2183596"/>
+          </a:xfrm>
+          <a:prstGeom prst="rect">
+            <a:avLst/>
+          </a:prstGeom>
+        </p:spPr>
+      </p:pic>
     </p:spTree>
     <p:extLst>
       <p:ext uri="{BB962C8B-B14F-4D97-AF65-F5344CB8AC3E}">
@@ -4209,7 +4260,15 @@
             </a:r>
             <a:r>
               <a:rPr lang="en-US" dirty="0" err="1"/>
-              <a:t>seperti</a:t>
+              <a:t>dengan</a:t>
+            </a:r>
+            <a:r>
+              <a:rPr lang="en-US" dirty="0"/>
+              <a:t> </a:t>
+            </a:r>
+            <a:r>
+              <a:rPr lang="en-US" dirty="0" err="1"/>
+              <a:t>cuitan</a:t>
             </a:r>
             <a:r>
               <a:rPr lang="en-US" dirty="0"/>
@@ -4875,6 +4934,14 @@
             </a:r>
             <a:r>
               <a:rPr lang="en-US" sz="2400" dirty="0"/>
+              <a:t> </a:t>
+            </a:r>
+            <a:r>
+              <a:rPr lang="en-US" sz="2400" dirty="0" err="1"/>
+              <a:t>tempat</a:t>
+            </a:r>
+            <a:r>
+              <a:rPr lang="en-US" sz="2400" dirty="0"/>
               <a:t> yang </a:t>
             </a:r>
             <a:r>
@@ -5218,7 +5285,7 @@
         </p:blipFill>
         <p:spPr>
           <a:xfrm>
-            <a:off x="1195676" y="3685498"/>
+            <a:off x="7400606" y="3341198"/>
             <a:ext cx="2080704" cy="2183596"/>
           </a:xfrm>
           <a:prstGeom prst="rect">
@@ -5240,8 +5307,8 @@
         </p:nvSpPr>
         <p:spPr>
           <a:xfrm>
-            <a:off x="3374776" y="3857414"/>
-            <a:ext cx="1559273" cy="646331"/>
+            <a:off x="9533889" y="3643230"/>
+            <a:ext cx="1621791" cy="646331"/>
           </a:xfrm>
           <a:prstGeom prst="rect">
             <a:avLst/>
@@ -5255,12 +5322,8 @@
           <a:lstStyle/>
           <a:p>
             <a:r>
-              <a:rPr lang="en-US" dirty="0" err="1"/>
-              <a:t>Judul</a:t>
-            </a:r>
-            <a:r>
-              <a:rPr lang="en-US" dirty="0"/>
-              <a:t> </a:t>
+              <a:rPr lang="en-US" dirty="0"/>
+              <a:t>Nama </a:t>
             </a:r>
             <a:r>
               <a:rPr lang="en-US" dirty="0" err="1"/>
@@ -5294,7 +5357,7 @@
         </p:nvSpPr>
         <p:spPr>
           <a:xfrm>
-            <a:off x="3374776" y="4863254"/>
+            <a:off x="9533889" y="4432996"/>
             <a:ext cx="1569212" cy="646331"/>
           </a:xfrm>
           <a:prstGeom prst="rect">
@@ -5334,6 +5397,105 @@
           </a:p>
         </p:txBody>
       </p:sp>
+      <p:pic>
+        <p:nvPicPr>
+          <p:cNvPr id="6" name="Picture 5">
+            <a:extLst>
+              <a:ext uri="{FF2B5EF4-FFF2-40B4-BE49-F238E27FC236}">
+                <a16:creationId xmlns:a16="http://schemas.microsoft.com/office/drawing/2014/main" id="{7E294E65-796A-32D6-920B-81C2463AF7F9}"/>
+              </a:ext>
+            </a:extLst>
+          </p:cNvPr>
+          <p:cNvPicPr>
+            <a:picLocks noChangeAspect="1"/>
+          </p:cNvPicPr>
+          <p:nvPr/>
+        </p:nvPicPr>
+        <p:blipFill>
+          <a:blip r:embed="rId3"/>
+          <a:stretch>
+            <a:fillRect/>
+          </a:stretch>
+        </p:blipFill>
+        <p:spPr>
+          <a:xfrm>
+            <a:off x="3197835" y="3270930"/>
+            <a:ext cx="1341200" cy="2787591"/>
+          </a:xfrm>
+          <a:prstGeom prst="rect">
+            <a:avLst/>
+          </a:prstGeom>
+        </p:spPr>
+      </p:pic>
+      <p:pic>
+        <p:nvPicPr>
+          <p:cNvPr id="10" name="Picture 9">
+            <a:extLst>
+              <a:ext uri="{FF2B5EF4-FFF2-40B4-BE49-F238E27FC236}">
+                <a16:creationId xmlns:a16="http://schemas.microsoft.com/office/drawing/2014/main" id="{CF347181-16A9-7A12-F15E-4A75F2B6903D}"/>
+              </a:ext>
+            </a:extLst>
+          </p:cNvPr>
+          <p:cNvPicPr>
+            <a:picLocks noChangeAspect="1"/>
+          </p:cNvPicPr>
+          <p:nvPr/>
+        </p:nvPicPr>
+        <p:blipFill>
+          <a:blip r:embed="rId4"/>
+          <a:stretch>
+            <a:fillRect/>
+          </a:stretch>
+        </p:blipFill>
+        <p:spPr>
+          <a:xfrm>
+            <a:off x="1335953" y="3270930"/>
+            <a:ext cx="1623209" cy="2787591"/>
+          </a:xfrm>
+          <a:prstGeom prst="rect">
+            <a:avLst/>
+          </a:prstGeom>
+        </p:spPr>
+      </p:pic>
+      <p:cxnSp>
+        <p:nvCxnSpPr>
+          <p:cNvPr id="12" name="Straight Arrow Connector 11">
+            <a:extLst>
+              <a:ext uri="{FF2B5EF4-FFF2-40B4-BE49-F238E27FC236}">
+                <a16:creationId xmlns:a16="http://schemas.microsoft.com/office/drawing/2014/main" id="{2653BEF8-A176-DD43-A49E-E0A436E14A8A}"/>
+              </a:ext>
+            </a:extLst>
+          </p:cNvPr>
+          <p:cNvCxnSpPr/>
+          <p:nvPr/>
+        </p:nvCxnSpPr>
+        <p:spPr>
+          <a:xfrm>
+            <a:off x="4901514" y="4432996"/>
+            <a:ext cx="2084172" cy="0"/>
+          </a:xfrm>
+          <a:prstGeom prst="straightConnector1">
+            <a:avLst/>
+          </a:prstGeom>
+          <a:ln>
+            <a:tailEnd type="triangle"/>
+          </a:ln>
+        </p:spPr>
+        <p:style>
+          <a:lnRef idx="1">
+            <a:schemeClr val="accent1"/>
+          </a:lnRef>
+          <a:fillRef idx="0">
+            <a:schemeClr val="accent1"/>
+          </a:fillRef>
+          <a:effectRef idx="0">
+            <a:schemeClr val="accent1"/>
+          </a:effectRef>
+          <a:fontRef idx="minor">
+            <a:schemeClr val="tx1"/>
+          </a:fontRef>
+        </p:style>
+      </p:cxnSp>
     </p:spTree>
     <p:extLst>
       <p:ext uri="{BB962C8B-B14F-4D97-AF65-F5344CB8AC3E}">
@@ -5434,6 +5596,22 @@
               <a:rPr lang="en-US" dirty="0"/>
               <a:t> splash screen </a:t>
             </a:r>
+            <a:r>
+              <a:rPr lang="en-US" dirty="0" err="1"/>
+              <a:t>dengan</a:t>
+            </a:r>
+            <a:r>
+              <a:rPr lang="en-US" dirty="0"/>
+              <a:t> </a:t>
+            </a:r>
+            <a:r>
+              <a:rPr lang="en-US" dirty="0" err="1"/>
+              <a:t>tambahan</a:t>
+            </a:r>
+            <a:r>
+              <a:rPr lang="en-US" dirty="0"/>
+              <a:t> shared preference</a:t>
+            </a:r>
           </a:p>
           <a:p>
             <a:pPr>
@@ -5442,7 +5620,7 @@
             </a:pPr>
             <a:r>
               <a:rPr lang="en-US" dirty="0"/>
-              <a:t> Auth Login dan Register </a:t>
+              <a:t> Authentication Login dan Register </a:t>
             </a:r>
             <a:r>
               <a:rPr lang="en-US" dirty="0" err="1"/>
@@ -5460,7 +5638,7 @@
             </a:pPr>
             <a:r>
               <a:rPr lang="en-US" dirty="0"/>
-              <a:t> OTP email verification</a:t>
+              <a:t> Email verification</a:t>
             </a:r>
           </a:p>
           <a:p>
